--- a/assets/Machine Learning - teoria.pptx
+++ b/assets/Machine Learning - teoria.pptx
@@ -5,23 +5,25 @@
     <p:sldMasterId id="2147483648" r:id="rId1"/>
   </p:sldMasterIdLst>
   <p:notesMasterIdLst>
-    <p:notesMasterId r:id="rId16"/>
+    <p:notesMasterId r:id="rId18"/>
   </p:notesMasterIdLst>
   <p:sldIdLst>
     <p:sldId id="256" r:id="rId2"/>
     <p:sldId id="257" r:id="rId3"/>
-    <p:sldId id="259" r:id="rId4"/>
-    <p:sldId id="258" r:id="rId5"/>
-    <p:sldId id="260" r:id="rId6"/>
-    <p:sldId id="269" r:id="rId7"/>
-    <p:sldId id="272" r:id="rId8"/>
-    <p:sldId id="271" r:id="rId9"/>
-    <p:sldId id="273" r:id="rId10"/>
-    <p:sldId id="275" r:id="rId11"/>
-    <p:sldId id="276" r:id="rId12"/>
-    <p:sldId id="277" r:id="rId13"/>
-    <p:sldId id="278" r:id="rId14"/>
-    <p:sldId id="279" r:id="rId15"/>
+    <p:sldId id="281" r:id="rId4"/>
+    <p:sldId id="259" r:id="rId5"/>
+    <p:sldId id="258" r:id="rId6"/>
+    <p:sldId id="260" r:id="rId7"/>
+    <p:sldId id="269" r:id="rId8"/>
+    <p:sldId id="272" r:id="rId9"/>
+    <p:sldId id="271" r:id="rId10"/>
+    <p:sldId id="273" r:id="rId11"/>
+    <p:sldId id="275" r:id="rId12"/>
+    <p:sldId id="276" r:id="rId13"/>
+    <p:sldId id="277" r:id="rId14"/>
+    <p:sldId id="278" r:id="rId15"/>
+    <p:sldId id="279" r:id="rId16"/>
+    <p:sldId id="280" r:id="rId17"/>
   </p:sldIdLst>
   <p:sldSz cx="12192000" cy="6858000"/>
   <p:notesSz cx="6858000" cy="9144000"/>
@@ -210,7 +212,7 @@
           <a:p>
             <a:fld id="{F75F9399-9FCD-4EB5-9097-B1F7C844D6C0}" type="datetimeFigureOut">
               <a:rPr lang="pt-BR" smtClean="0"/>
-              <a:t>18/07/2024</a:t>
+              <a:t>19/07/2024</a:t>
             </a:fld>
             <a:endParaRPr lang="pt-BR"/>
           </a:p>
@@ -624,7 +626,7 @@
           <a:p>
             <a:fld id="{6C726EF1-3415-47A9-AAD0-DEB93AD0CD29}" type="datetime1">
               <a:rPr lang="pt-BR" smtClean="0"/>
-              <a:t>18/07/2024</a:t>
+              <a:t>19/07/2024</a:t>
             </a:fld>
             <a:endParaRPr lang="pt-BR"/>
           </a:p>
@@ -822,7 +824,7 @@
           <a:p>
             <a:fld id="{EE569239-516C-47E0-BCF6-9A2AF4BC06CA}" type="datetime1">
               <a:rPr lang="pt-BR" smtClean="0"/>
-              <a:t>18/07/2024</a:t>
+              <a:t>19/07/2024</a:t>
             </a:fld>
             <a:endParaRPr lang="pt-BR"/>
           </a:p>
@@ -1030,7 +1032,7 @@
           <a:p>
             <a:fld id="{76DF1AFA-F169-45B6-8F49-433F5750701E}" type="datetime1">
               <a:rPr lang="pt-BR" smtClean="0"/>
-              <a:t>18/07/2024</a:t>
+              <a:t>19/07/2024</a:t>
             </a:fld>
             <a:endParaRPr lang="pt-BR"/>
           </a:p>
@@ -1228,7 +1230,7 @@
           <a:p>
             <a:fld id="{2CBB738E-6E7C-42C7-B306-D2F69400786E}" type="datetime1">
               <a:rPr lang="pt-BR" smtClean="0"/>
-              <a:t>18/07/2024</a:t>
+              <a:t>19/07/2024</a:t>
             </a:fld>
             <a:endParaRPr lang="pt-BR"/>
           </a:p>
@@ -1503,7 +1505,7 @@
           <a:p>
             <a:fld id="{5DEC77CB-96CC-4F6A-B0CA-CC6FDE8F2E03}" type="datetime1">
               <a:rPr lang="pt-BR" smtClean="0"/>
-              <a:t>18/07/2024</a:t>
+              <a:t>19/07/2024</a:t>
             </a:fld>
             <a:endParaRPr lang="pt-BR"/>
           </a:p>
@@ -1768,7 +1770,7 @@
           <a:p>
             <a:fld id="{AF461D1F-EC60-44F8-806D-8AB5B22260D2}" type="datetime1">
               <a:rPr lang="pt-BR" smtClean="0"/>
-              <a:t>18/07/2024</a:t>
+              <a:t>19/07/2024</a:t>
             </a:fld>
             <a:endParaRPr lang="pt-BR"/>
           </a:p>
@@ -2180,7 +2182,7 @@
           <a:p>
             <a:fld id="{17F36871-66A0-4B15-8698-510B8E856200}" type="datetime1">
               <a:rPr lang="pt-BR" smtClean="0"/>
-              <a:t>18/07/2024</a:t>
+              <a:t>19/07/2024</a:t>
             </a:fld>
             <a:endParaRPr lang="pt-BR"/>
           </a:p>
@@ -2321,7 +2323,7 @@
           <a:p>
             <a:fld id="{EECFC82D-BFF4-466D-8450-5252E65136C8}" type="datetime1">
               <a:rPr lang="pt-BR" smtClean="0"/>
-              <a:t>18/07/2024</a:t>
+              <a:t>19/07/2024</a:t>
             </a:fld>
             <a:endParaRPr lang="pt-BR"/>
           </a:p>
@@ -2434,7 +2436,7 @@
           <a:p>
             <a:fld id="{C70813B8-F369-43AF-AE80-11F6175FB80C}" type="datetime1">
               <a:rPr lang="pt-BR" smtClean="0"/>
-              <a:t>18/07/2024</a:t>
+              <a:t>19/07/2024</a:t>
             </a:fld>
             <a:endParaRPr lang="pt-BR"/>
           </a:p>
@@ -2745,7 +2747,7 @@
           <a:p>
             <a:fld id="{2A78AA8D-55C6-4247-9D6C-A98EA9875AE4}" type="datetime1">
               <a:rPr lang="pt-BR" smtClean="0"/>
-              <a:t>18/07/2024</a:t>
+              <a:t>19/07/2024</a:t>
             </a:fld>
             <a:endParaRPr lang="pt-BR"/>
           </a:p>
@@ -3033,7 +3035,7 @@
           <a:p>
             <a:fld id="{2F63D052-0229-42E2-AE2E-542AE57F799B}" type="datetime1">
               <a:rPr lang="pt-BR" smtClean="0"/>
-              <a:t>18/07/2024</a:t>
+              <a:t>19/07/2024</a:t>
             </a:fld>
             <a:endParaRPr lang="pt-BR"/>
           </a:p>
@@ -3274,7 +3276,7 @@
           <a:p>
             <a:fld id="{66D610B5-AA65-4A19-B373-E5658444F765}" type="datetime1">
               <a:rPr lang="pt-BR" smtClean="0"/>
-              <a:t>18/07/2024</a:t>
+              <a:t>19/07/2024</a:t>
             </a:fld>
             <a:endParaRPr lang="pt-BR"/>
           </a:p>
@@ -4055,7 +4057,7 @@
           <a:p>
             <a:r>
               <a:rPr lang="pt-BR" b="1" dirty="0"/>
-              <a:t>DADOS DE TREINO E TESTE</a:t>
+              <a:t>METODOLOGIA</a:t>
             </a:r>
           </a:p>
         </p:txBody>
@@ -4139,6 +4141,342 @@
             <a:fld id="{100E1BD7-A6F2-47E2-ACB3-3469C810C63E}" type="slidenum">
               <a:rPr lang="pt-BR" smtClean="0"/>
               <a:t>10</a:t>
+            </a:fld>
+            <a:endParaRPr lang="pt-BR"/>
+          </a:p>
+        </p:txBody>
+      </p:sp>
+      <p:pic>
+        <p:nvPicPr>
+          <p:cNvPr id="1026" name="Picture 2">
+            <a:extLst>
+              <a:ext uri="{FF2B5EF4-FFF2-40B4-BE49-F238E27FC236}">
+                <a16:creationId xmlns:a16="http://schemas.microsoft.com/office/drawing/2014/main" id="{F8C839A3-100B-4872-5260-8A2851A7DDC0}"/>
+              </a:ext>
+            </a:extLst>
+          </p:cNvPr>
+          <p:cNvPicPr>
+            <a:picLocks noChangeAspect="1" noChangeArrowheads="1"/>
+          </p:cNvPicPr>
+          <p:nvPr/>
+        </p:nvPicPr>
+        <p:blipFill rotWithShape="1">
+          <a:blip r:embed="rId2">
+            <a:extLst>
+              <a:ext uri="{BEBA8EAE-BF5A-486C-A8C5-ECC9F3942E4B}">
+                <a14:imgProps xmlns:a14="http://schemas.microsoft.com/office/drawing/2010/main">
+                  <a14:imgLayer r:embed="rId3">
+                    <a14:imgEffect>
+                      <a14:sharpenSoften amount="25000"/>
+                    </a14:imgEffect>
+                  </a14:imgLayer>
+                </a14:imgProps>
+              </a:ext>
+              <a:ext uri="{28A0092B-C50C-407E-A947-70E740481C1C}">
+                <a14:useLocalDpi xmlns:a14="http://schemas.microsoft.com/office/drawing/2010/main" val="0"/>
+              </a:ext>
+            </a:extLst>
+          </a:blip>
+          <a:srcRect l="11324" t="8970" r="9130" b="5476"/>
+          <a:stretch/>
+        </p:blipFill>
+        <p:spPr bwMode="auto">
+          <a:xfrm>
+            <a:off x="6342745" y="1647145"/>
+            <a:ext cx="4165600" cy="4480151"/>
+          </a:xfrm>
+          <a:prstGeom prst="rect">
+            <a:avLst/>
+          </a:prstGeom>
+          <a:noFill/>
+          <a:ln>
+            <a:solidFill>
+              <a:schemeClr val="tx1"/>
+            </a:solidFill>
+          </a:ln>
+          <a:extLst>
+            <a:ext uri="{909E8E84-426E-40DD-AFC4-6F175D3DCCD1}">
+              <a14:hiddenFill xmlns:a14="http://schemas.microsoft.com/office/drawing/2010/main">
+                <a:solidFill>
+                  <a:srgbClr val="FFFFFF"/>
+                </a:solidFill>
+              </a14:hiddenFill>
+            </a:ext>
+          </a:extLst>
+        </p:spPr>
+      </p:pic>
+      <p:sp>
+        <p:nvSpPr>
+          <p:cNvPr id="8" name="Espaço Reservado para Conteúdo 2">
+            <a:extLst>
+              <a:ext uri="{FF2B5EF4-FFF2-40B4-BE49-F238E27FC236}">
+                <a16:creationId xmlns:a16="http://schemas.microsoft.com/office/drawing/2014/main" id="{222DFDDA-CFAF-2988-69EA-E94884590CB2}"/>
+              </a:ext>
+            </a:extLst>
+          </p:cNvPr>
+          <p:cNvSpPr>
+            <a:spLocks noGrp="1"/>
+          </p:cNvSpPr>
+          <p:nvPr>
+            <p:ph idx="1"/>
+          </p:nvPr>
+        </p:nvSpPr>
+        <p:spPr>
+          <a:xfrm>
+            <a:off x="838200" y="1825625"/>
+            <a:ext cx="4169229" cy="4351338"/>
+          </a:xfrm>
+        </p:spPr>
+        <p:txBody>
+          <a:bodyPr>
+            <a:normAutofit/>
+          </a:bodyPr>
+          <a:lstStyle/>
+          <a:p>
+            <a:r>
+              <a:rPr lang="pt-BR" sz="2200" b="1" dirty="0"/>
+              <a:t>CRISP-DM 			</a:t>
+            </a:r>
+            <a:r>
+              <a:rPr lang="pt-BR" sz="2200" b="1" dirty="0">
+                <a:latin typeface="Times New Roman" panose="02020603050405020304" pitchFamily="18" charset="0"/>
+                <a:cs typeface="Times New Roman" panose="02020603050405020304" pitchFamily="18" charset="0"/>
+              </a:rPr>
+              <a:t>→</a:t>
+            </a:r>
+            <a:endParaRPr lang="pt-BR" sz="2200" b="1" dirty="0"/>
+          </a:p>
+          <a:p>
+            <a:r>
+              <a:rPr lang="pt-BR" sz="2200" dirty="0"/>
+              <a:t>Metodologias ágeis</a:t>
+            </a:r>
+          </a:p>
+          <a:p>
+            <a:endParaRPr lang="pt-BR" sz="2200" dirty="0"/>
+          </a:p>
+        </p:txBody>
+      </p:sp>
+      <p:sp>
+        <p:nvSpPr>
+          <p:cNvPr id="15" name="CaixaDeTexto 14">
+            <a:extLst>
+              <a:ext uri="{FF2B5EF4-FFF2-40B4-BE49-F238E27FC236}">
+                <a16:creationId xmlns:a16="http://schemas.microsoft.com/office/drawing/2014/main" id="{924566C7-FC13-475A-0CBE-04B46F6502C2}"/>
+              </a:ext>
+            </a:extLst>
+          </p:cNvPr>
+          <p:cNvSpPr txBox="1"/>
+          <p:nvPr/>
+        </p:nvSpPr>
+        <p:spPr>
+          <a:xfrm>
+            <a:off x="6255661" y="6103324"/>
+            <a:ext cx="4165600" cy="276999"/>
+          </a:xfrm>
+          <a:prstGeom prst="rect">
+            <a:avLst/>
+          </a:prstGeom>
+          <a:noFill/>
+        </p:spPr>
+        <p:txBody>
+          <a:bodyPr wrap="square" rtlCol="0">
+            <a:spAutoFit/>
+          </a:bodyPr>
+          <a:lstStyle/>
+          <a:p>
+            <a:r>
+              <a:rPr lang="pt-BR" sz="1200" dirty="0">
+                <a:solidFill>
+                  <a:schemeClr val="bg1">
+                    <a:lumMod val="50000"/>
+                  </a:schemeClr>
+                </a:solidFill>
+              </a:rPr>
+              <a:t>Fonte: google imagens</a:t>
+            </a:r>
+          </a:p>
+        </p:txBody>
+      </p:sp>
+      <p:pic>
+        <p:nvPicPr>
+          <p:cNvPr id="5" name="Imagem 4">
+            <a:extLst>
+              <a:ext uri="{FF2B5EF4-FFF2-40B4-BE49-F238E27FC236}">
+                <a16:creationId xmlns:a16="http://schemas.microsoft.com/office/drawing/2014/main" id="{B3081189-3896-C4CB-52E9-108DA7BD8F1C}"/>
+              </a:ext>
+            </a:extLst>
+          </p:cNvPr>
+          <p:cNvPicPr>
+            <a:picLocks noChangeAspect="1"/>
+          </p:cNvPicPr>
+          <p:nvPr/>
+        </p:nvPicPr>
+        <p:blipFill>
+          <a:blip r:embed="rId4">
+            <a:extLst>
+              <a:ext uri="{BEBA8EAE-BF5A-486C-A8C5-ECC9F3942E4B}">
+                <a14:imgProps xmlns:a14="http://schemas.microsoft.com/office/drawing/2010/main">
+                  <a14:imgLayer r:embed="rId5">
+                    <a14:imgEffect>
+                      <a14:sharpenSoften amount="25000"/>
+                    </a14:imgEffect>
+                  </a14:imgLayer>
+                </a14:imgProps>
+              </a:ext>
+            </a:extLst>
+          </a:blip>
+          <a:stretch>
+            <a:fillRect/>
+          </a:stretch>
+        </p:blipFill>
+        <p:spPr>
+          <a:xfrm>
+            <a:off x="743604" y="3429000"/>
+            <a:ext cx="4325309" cy="2422615"/>
+          </a:xfrm>
+          <a:prstGeom prst="rect">
+            <a:avLst/>
+          </a:prstGeom>
+        </p:spPr>
+      </p:pic>
+    </p:spTree>
+    <p:extLst>
+      <p:ext uri="{BB962C8B-B14F-4D97-AF65-F5344CB8AC3E}">
+        <p14:creationId xmlns:p14="http://schemas.microsoft.com/office/powerpoint/2010/main" val="3537630605"/>
+      </p:ext>
+    </p:extLst>
+  </p:cSld>
+  <p:clrMapOvr>
+    <a:masterClrMapping/>
+  </p:clrMapOvr>
+</p:sld>
+</file>
+
+<file path=ppt/slides/slide11.xml><?xml version="1.0" encoding="utf-8"?>
+<p:sld xmlns:a="http://schemas.openxmlformats.org/drawingml/2006/main" xmlns:r="http://schemas.openxmlformats.org/officeDocument/2006/relationships" xmlns:p="http://schemas.openxmlformats.org/presentationml/2006/main">
+  <p:cSld>
+    <p:spTree>
+      <p:nvGrpSpPr>
+        <p:cNvPr id="1" name=""/>
+        <p:cNvGrpSpPr/>
+        <p:nvPr/>
+      </p:nvGrpSpPr>
+      <p:grpSpPr>
+        <a:xfrm>
+          <a:off x="0" y="0"/>
+          <a:ext cx="0" cy="0"/>
+          <a:chOff x="0" y="0"/>
+          <a:chExt cx="0" cy="0"/>
+        </a:xfrm>
+      </p:grpSpPr>
+      <p:sp>
+        <p:nvSpPr>
+          <p:cNvPr id="2" name="Título 1">
+            <a:extLst>
+              <a:ext uri="{FF2B5EF4-FFF2-40B4-BE49-F238E27FC236}">
+                <a16:creationId xmlns:a16="http://schemas.microsoft.com/office/drawing/2014/main" id="{BFC061CD-8025-7E8A-76C8-26AC09C7E85D}"/>
+              </a:ext>
+            </a:extLst>
+          </p:cNvPr>
+          <p:cNvSpPr>
+            <a:spLocks noGrp="1"/>
+          </p:cNvSpPr>
+          <p:nvPr>
+            <p:ph type="title"/>
+          </p:nvPr>
+        </p:nvSpPr>
+        <p:spPr/>
+        <p:txBody>
+          <a:bodyPr/>
+          <a:lstStyle/>
+          <a:p>
+            <a:r>
+              <a:rPr lang="pt-BR" b="1" dirty="0"/>
+              <a:t>DADOS DE TREINO E TESTE</a:t>
+            </a:r>
+          </a:p>
+        </p:txBody>
+      </p:sp>
+      <p:sp>
+        <p:nvSpPr>
+          <p:cNvPr id="6" name="Retângulo 5">
+            <a:extLst>
+              <a:ext uri="{FF2B5EF4-FFF2-40B4-BE49-F238E27FC236}">
+                <a16:creationId xmlns:a16="http://schemas.microsoft.com/office/drawing/2014/main" id="{6400DBFB-4C95-4BC9-2AC3-48B17B718C74}"/>
+              </a:ext>
+            </a:extLst>
+          </p:cNvPr>
+          <p:cNvSpPr/>
+          <p:nvPr/>
+        </p:nvSpPr>
+        <p:spPr>
+          <a:xfrm>
+            <a:off x="0" y="0"/>
+            <a:ext cx="12192000" cy="230188"/>
+          </a:xfrm>
+          <a:prstGeom prst="rect">
+            <a:avLst/>
+          </a:prstGeom>
+          <a:solidFill>
+            <a:schemeClr val="accent4">
+              <a:lumMod val="20000"/>
+              <a:lumOff val="80000"/>
+            </a:schemeClr>
+          </a:solidFill>
+          <a:ln>
+            <a:noFill/>
+          </a:ln>
+        </p:spPr>
+        <p:style>
+          <a:lnRef idx="2">
+            <a:schemeClr val="accent1">
+              <a:shade val="15000"/>
+            </a:schemeClr>
+          </a:lnRef>
+          <a:fillRef idx="1">
+            <a:schemeClr val="accent1"/>
+          </a:fillRef>
+          <a:effectRef idx="0">
+            <a:schemeClr val="accent1"/>
+          </a:effectRef>
+          <a:fontRef idx="minor">
+            <a:schemeClr val="lt1"/>
+          </a:fontRef>
+        </p:style>
+        <p:txBody>
+          <a:bodyPr rtlCol="0" anchor="ctr"/>
+          <a:lstStyle/>
+          <a:p>
+            <a:pPr algn="ctr"/>
+            <a:endParaRPr lang="pt-BR"/>
+          </a:p>
+        </p:txBody>
+      </p:sp>
+      <p:sp>
+        <p:nvSpPr>
+          <p:cNvPr id="4" name="Espaço Reservado para Número de Slide 3">
+            <a:extLst>
+              <a:ext uri="{FF2B5EF4-FFF2-40B4-BE49-F238E27FC236}">
+                <a16:creationId xmlns:a16="http://schemas.microsoft.com/office/drawing/2014/main" id="{89CC3CDE-2294-0587-CB45-EE87D6D3F28D}"/>
+              </a:ext>
+            </a:extLst>
+          </p:cNvPr>
+          <p:cNvSpPr>
+            <a:spLocks noGrp="1"/>
+          </p:cNvSpPr>
+          <p:nvPr>
+            <p:ph type="sldNum" sz="quarter" idx="12"/>
+          </p:nvPr>
+        </p:nvSpPr>
+        <p:spPr/>
+        <p:txBody>
+          <a:bodyPr/>
+          <a:lstStyle/>
+          <a:p>
+            <a:fld id="{100E1BD7-A6F2-47E2-ACB3-3469C810C63E}" type="slidenum">
+              <a:rPr lang="pt-BR" smtClean="0"/>
+              <a:t>11</a:t>
             </a:fld>
             <a:endParaRPr lang="pt-BR"/>
           </a:p>
@@ -4594,7 +4932,7 @@
 </p:sld>
 </file>
 
-<file path=ppt/slides/slide11.xml><?xml version="1.0" encoding="utf-8"?>
+<file path=ppt/slides/slide12.xml><?xml version="1.0" encoding="utf-8"?>
 <p:sld xmlns:a="http://schemas.openxmlformats.org/drawingml/2006/main" xmlns:r="http://schemas.openxmlformats.org/officeDocument/2006/relationships" xmlns:p="http://schemas.openxmlformats.org/presentationml/2006/main">
   <p:cSld>
     <p:spTree>
@@ -4717,7 +5055,7 @@
           <a:p>
             <a:fld id="{100E1BD7-A6F2-47E2-ACB3-3469C810C63E}" type="slidenum">
               <a:rPr lang="pt-BR" smtClean="0"/>
-              <a:t>11</a:t>
+              <a:t>12</a:t>
             </a:fld>
             <a:endParaRPr lang="pt-BR"/>
           </a:p>
@@ -4908,7 +5246,7 @@
 </p:sld>
 </file>
 
-<file path=ppt/slides/slide12.xml><?xml version="1.0" encoding="utf-8"?>
+<file path=ppt/slides/slide13.xml><?xml version="1.0" encoding="utf-8"?>
 <p:sld xmlns:a="http://schemas.openxmlformats.org/drawingml/2006/main" xmlns:r="http://schemas.openxmlformats.org/officeDocument/2006/relationships" xmlns:p="http://schemas.openxmlformats.org/presentationml/2006/main">
   <p:cSld>
     <p:spTree>
@@ -5031,7 +5369,7 @@
           <a:p>
             <a:fld id="{100E1BD7-A6F2-47E2-ACB3-3469C810C63E}" type="slidenum">
               <a:rPr lang="pt-BR" smtClean="0"/>
-              <a:t>12</a:t>
+              <a:t>13</a:t>
             </a:fld>
             <a:endParaRPr lang="pt-BR"/>
           </a:p>
@@ -5244,7 +5582,7 @@
 </p:sld>
 </file>
 
-<file path=ppt/slides/slide13.xml><?xml version="1.0" encoding="utf-8"?>
+<file path=ppt/slides/slide14.xml><?xml version="1.0" encoding="utf-8"?>
 <p:sld xmlns:a="http://schemas.openxmlformats.org/drawingml/2006/main" xmlns:r="http://schemas.openxmlformats.org/officeDocument/2006/relationships" xmlns:p="http://schemas.openxmlformats.org/presentationml/2006/main">
   <p:cSld>
     <p:spTree>
@@ -5367,7 +5705,7 @@
           <a:p>
             <a:fld id="{100E1BD7-A6F2-47E2-ACB3-3469C810C63E}" type="slidenum">
               <a:rPr lang="pt-BR" smtClean="0"/>
-              <a:t>13</a:t>
+              <a:t>14</a:t>
             </a:fld>
             <a:endParaRPr lang="pt-BR"/>
           </a:p>
@@ -5825,7 +6163,7 @@
 </p:sld>
 </file>
 
-<file path=ppt/slides/slide14.xml><?xml version="1.0" encoding="utf-8"?>
+<file path=ppt/slides/slide15.xml><?xml version="1.0" encoding="utf-8"?>
 <p:sld xmlns:a="http://schemas.openxmlformats.org/drawingml/2006/main" xmlns:r="http://schemas.openxmlformats.org/officeDocument/2006/relationships" xmlns:p="http://schemas.openxmlformats.org/presentationml/2006/main">
   <p:cSld>
     <p:spTree>
@@ -5948,7 +6286,7 @@
           <a:p>
             <a:fld id="{100E1BD7-A6F2-47E2-ACB3-3469C810C63E}" type="slidenum">
               <a:rPr lang="pt-BR" smtClean="0"/>
-              <a:t>14</a:t>
+              <a:t>15</a:t>
             </a:fld>
             <a:endParaRPr lang="pt-BR"/>
           </a:p>
@@ -6263,6 +6601,253 @@
     <p:extLst>
       <p:ext uri="{BB962C8B-B14F-4D97-AF65-F5344CB8AC3E}">
         <p14:creationId xmlns:p14="http://schemas.microsoft.com/office/powerpoint/2010/main" val="3296872840"/>
+      </p:ext>
+    </p:extLst>
+  </p:cSld>
+  <p:clrMapOvr>
+    <a:masterClrMapping/>
+  </p:clrMapOvr>
+</p:sld>
+</file>
+
+<file path=ppt/slides/slide16.xml><?xml version="1.0" encoding="utf-8"?>
+<p:sld xmlns:a="http://schemas.openxmlformats.org/drawingml/2006/main" xmlns:r="http://schemas.openxmlformats.org/officeDocument/2006/relationships" xmlns:p="http://schemas.openxmlformats.org/presentationml/2006/main">
+  <p:cSld>
+    <p:spTree>
+      <p:nvGrpSpPr>
+        <p:cNvPr id="1" name=""/>
+        <p:cNvGrpSpPr/>
+        <p:nvPr/>
+      </p:nvGrpSpPr>
+      <p:grpSpPr>
+        <a:xfrm>
+          <a:off x="0" y="0"/>
+          <a:ext cx="0" cy="0"/>
+          <a:chOff x="0" y="0"/>
+          <a:chExt cx="0" cy="0"/>
+        </a:xfrm>
+      </p:grpSpPr>
+      <p:sp>
+        <p:nvSpPr>
+          <p:cNvPr id="2" name="Título 1">
+            <a:extLst>
+              <a:ext uri="{FF2B5EF4-FFF2-40B4-BE49-F238E27FC236}">
+                <a16:creationId xmlns:a16="http://schemas.microsoft.com/office/drawing/2014/main" id="{BFC061CD-8025-7E8A-76C8-26AC09C7E85D}"/>
+              </a:ext>
+            </a:extLst>
+          </p:cNvPr>
+          <p:cNvSpPr>
+            <a:spLocks noGrp="1"/>
+          </p:cNvSpPr>
+          <p:nvPr>
+            <p:ph type="title"/>
+          </p:nvPr>
+        </p:nvSpPr>
+        <p:spPr/>
+        <p:txBody>
+          <a:bodyPr/>
+          <a:lstStyle/>
+          <a:p>
+            <a:r>
+              <a:rPr lang="pt-BR" b="1" dirty="0"/>
+              <a:t>SUGESTÕES DE REFERÊNCIA</a:t>
+            </a:r>
+          </a:p>
+        </p:txBody>
+      </p:sp>
+      <p:sp>
+        <p:nvSpPr>
+          <p:cNvPr id="6" name="Retângulo 5">
+            <a:extLst>
+              <a:ext uri="{FF2B5EF4-FFF2-40B4-BE49-F238E27FC236}">
+                <a16:creationId xmlns:a16="http://schemas.microsoft.com/office/drawing/2014/main" id="{6400DBFB-4C95-4BC9-2AC3-48B17B718C74}"/>
+              </a:ext>
+            </a:extLst>
+          </p:cNvPr>
+          <p:cNvSpPr/>
+          <p:nvPr/>
+        </p:nvSpPr>
+        <p:spPr>
+          <a:xfrm>
+            <a:off x="0" y="0"/>
+            <a:ext cx="12192000" cy="230188"/>
+          </a:xfrm>
+          <a:prstGeom prst="rect">
+            <a:avLst/>
+          </a:prstGeom>
+          <a:solidFill>
+            <a:schemeClr val="accent4">
+              <a:lumMod val="20000"/>
+              <a:lumOff val="80000"/>
+            </a:schemeClr>
+          </a:solidFill>
+          <a:ln>
+            <a:noFill/>
+          </a:ln>
+        </p:spPr>
+        <p:style>
+          <a:lnRef idx="2">
+            <a:schemeClr val="accent1">
+              <a:shade val="15000"/>
+            </a:schemeClr>
+          </a:lnRef>
+          <a:fillRef idx="1">
+            <a:schemeClr val="accent1"/>
+          </a:fillRef>
+          <a:effectRef idx="0">
+            <a:schemeClr val="accent1"/>
+          </a:effectRef>
+          <a:fontRef idx="minor">
+            <a:schemeClr val="lt1"/>
+          </a:fontRef>
+        </p:style>
+        <p:txBody>
+          <a:bodyPr rtlCol="0" anchor="ctr"/>
+          <a:lstStyle/>
+          <a:p>
+            <a:pPr algn="ctr"/>
+            <a:endParaRPr lang="pt-BR"/>
+          </a:p>
+        </p:txBody>
+      </p:sp>
+      <p:sp>
+        <p:nvSpPr>
+          <p:cNvPr id="4" name="Espaço Reservado para Número de Slide 3">
+            <a:extLst>
+              <a:ext uri="{FF2B5EF4-FFF2-40B4-BE49-F238E27FC236}">
+                <a16:creationId xmlns:a16="http://schemas.microsoft.com/office/drawing/2014/main" id="{89CC3CDE-2294-0587-CB45-EE87D6D3F28D}"/>
+              </a:ext>
+            </a:extLst>
+          </p:cNvPr>
+          <p:cNvSpPr>
+            <a:spLocks noGrp="1"/>
+          </p:cNvSpPr>
+          <p:nvPr>
+            <p:ph type="sldNum" sz="quarter" idx="12"/>
+          </p:nvPr>
+        </p:nvSpPr>
+        <p:spPr/>
+        <p:txBody>
+          <a:bodyPr/>
+          <a:lstStyle/>
+          <a:p>
+            <a:fld id="{100E1BD7-A6F2-47E2-ACB3-3469C810C63E}" type="slidenum">
+              <a:rPr lang="pt-BR" smtClean="0"/>
+              <a:t>16</a:t>
+            </a:fld>
+            <a:endParaRPr lang="pt-BR"/>
+          </a:p>
+        </p:txBody>
+      </p:sp>
+      <p:sp>
+        <p:nvSpPr>
+          <p:cNvPr id="8" name="Espaço Reservado para Conteúdo 2">
+            <a:extLst>
+              <a:ext uri="{FF2B5EF4-FFF2-40B4-BE49-F238E27FC236}">
+                <a16:creationId xmlns:a16="http://schemas.microsoft.com/office/drawing/2014/main" id="{222DFDDA-CFAF-2988-69EA-E94884590CB2}"/>
+              </a:ext>
+            </a:extLst>
+          </p:cNvPr>
+          <p:cNvSpPr>
+            <a:spLocks noGrp="1"/>
+          </p:cNvSpPr>
+          <p:nvPr>
+            <p:ph idx="1"/>
+          </p:nvPr>
+        </p:nvSpPr>
+        <p:spPr>
+          <a:xfrm>
+            <a:off x="838199" y="1825625"/>
+            <a:ext cx="10515599" cy="4351338"/>
+          </a:xfrm>
+        </p:spPr>
+        <p:txBody>
+          <a:bodyPr>
+            <a:normAutofit/>
+          </a:bodyPr>
+          <a:lstStyle/>
+          <a:p>
+            <a:r>
+              <a:rPr lang="en-US" b="1" i="1" dirty="0"/>
+              <a:t>Introduction to Machine Learning with Python: A Guide for Data Scientists </a:t>
+            </a:r>
+            <a:r>
+              <a:rPr lang="en-US" dirty="0"/>
+              <a:t>(</a:t>
+            </a:r>
+            <a:r>
+              <a:rPr lang="en-US" dirty="0">
+                <a:hlinkClick r:id="rId2"/>
+              </a:rPr>
+              <a:t>link</a:t>
+            </a:r>
+            <a:r>
+              <a:rPr lang="en-US" dirty="0"/>
+              <a:t>)</a:t>
+            </a:r>
+          </a:p>
+          <a:p>
+            <a:r>
+              <a:rPr lang="en-US" b="1" i="1" dirty="0"/>
+              <a:t>Hands-On Machine Learning with Scikit-Learn, </a:t>
+            </a:r>
+            <a:r>
+              <a:rPr lang="en-US" b="1" i="1" dirty="0" err="1"/>
+              <a:t>Keras</a:t>
+            </a:r>
+            <a:r>
+              <a:rPr lang="en-US" b="1" i="1" dirty="0"/>
+              <a:t>, and TensorFlow </a:t>
+            </a:r>
+            <a:r>
+              <a:rPr lang="en-US" dirty="0"/>
+              <a:t>(</a:t>
+            </a:r>
+            <a:r>
+              <a:rPr lang="en-US" dirty="0">
+                <a:hlinkClick r:id="rId3"/>
+              </a:rPr>
+              <a:t>link</a:t>
+            </a:r>
+            <a:r>
+              <a:rPr lang="en-US" dirty="0"/>
+              <a:t>)</a:t>
+            </a:r>
+          </a:p>
+          <a:p>
+            <a:r>
+              <a:rPr lang="en-US" dirty="0"/>
+              <a:t>Medium</a:t>
+            </a:r>
+          </a:p>
+          <a:p>
+            <a:r>
+              <a:rPr lang="en-US" dirty="0" err="1"/>
+              <a:t>Linkedin</a:t>
+            </a:r>
+            <a:endParaRPr lang="en-US" dirty="0"/>
+          </a:p>
+          <a:p>
+            <a:r>
+              <a:rPr lang="en-US" dirty="0" err="1"/>
+              <a:t>Artigos</a:t>
+            </a:r>
+            <a:r>
+              <a:rPr lang="en-US" dirty="0"/>
+              <a:t> </a:t>
+            </a:r>
+            <a:r>
+              <a:rPr lang="en-US" dirty="0" err="1"/>
+              <a:t>científicos</a:t>
+            </a:r>
+            <a:endParaRPr lang="pt-BR" sz="1800" dirty="0"/>
+          </a:p>
+        </p:txBody>
+      </p:sp>
+    </p:spTree>
+    <p:extLst>
+      <p:ext uri="{BB962C8B-B14F-4D97-AF65-F5344CB8AC3E}">
+        <p14:creationId xmlns:p14="http://schemas.microsoft.com/office/powerpoint/2010/main" val="2810449292"/>
       </p:ext>
     </p:extLst>
   </p:cSld>
@@ -6496,47 +7081,7 @@
           <a:p>
             <a:r>
               <a:rPr lang="pt-BR" b="1" dirty="0"/>
-              <a:t>Tipos de aprendizado</a:t>
-            </a:r>
-          </a:p>
-        </p:txBody>
-      </p:sp>
-      <p:sp>
-        <p:nvSpPr>
-          <p:cNvPr id="3" name="Espaço Reservado para Conteúdo 2">
-            <a:extLst>
-              <a:ext uri="{FF2B5EF4-FFF2-40B4-BE49-F238E27FC236}">
-                <a16:creationId xmlns:a16="http://schemas.microsoft.com/office/drawing/2014/main" id="{4B7D116F-61B5-325D-4036-6A6AE822EEC3}"/>
-              </a:ext>
-            </a:extLst>
-          </p:cNvPr>
-          <p:cNvSpPr>
-            <a:spLocks noGrp="1"/>
-          </p:cNvSpPr>
-          <p:nvPr>
-            <p:ph idx="1"/>
-          </p:nvPr>
-        </p:nvSpPr>
-        <p:spPr/>
-        <p:txBody>
-          <a:bodyPr>
-            <a:normAutofit/>
-          </a:bodyPr>
-          <a:lstStyle/>
-          <a:p>
-            <a:r>
-              <a:rPr lang="pt-BR" sz="2400" i="1" dirty="0"/>
-              <a:t>Batch </a:t>
-            </a:r>
-            <a:r>
-              <a:rPr lang="pt-BR" sz="2400" dirty="0"/>
-              <a:t>(em lote)</a:t>
-            </a:r>
-          </a:p>
-          <a:p>
-            <a:r>
-              <a:rPr lang="pt-BR" sz="2400" dirty="0"/>
-              <a:t>Online/Real Time</a:t>
+              <a:t>O que é Machine Learning</a:t>
             </a:r>
           </a:p>
         </p:txBody>
@@ -6598,6 +7143,228 @@
       </p:sp>
       <p:sp>
         <p:nvSpPr>
+          <p:cNvPr id="7" name="Espaço Reservado para Número de Slide 6">
+            <a:extLst>
+              <a:ext uri="{FF2B5EF4-FFF2-40B4-BE49-F238E27FC236}">
+                <a16:creationId xmlns:a16="http://schemas.microsoft.com/office/drawing/2014/main" id="{4F6D99BD-6BC5-FD98-29A3-A8A50F9452DE}"/>
+              </a:ext>
+            </a:extLst>
+          </p:cNvPr>
+          <p:cNvSpPr>
+            <a:spLocks noGrp="1"/>
+          </p:cNvSpPr>
+          <p:nvPr>
+            <p:ph type="sldNum" sz="quarter" idx="12"/>
+          </p:nvPr>
+        </p:nvSpPr>
+        <p:spPr/>
+        <p:txBody>
+          <a:bodyPr/>
+          <a:lstStyle/>
+          <a:p>
+            <a:fld id="{100E1BD7-A6F2-47E2-ACB3-3469C810C63E}" type="slidenum">
+              <a:rPr lang="pt-BR" smtClean="0"/>
+              <a:t>3</a:t>
+            </a:fld>
+            <a:endParaRPr lang="pt-BR"/>
+          </a:p>
+        </p:txBody>
+      </p:sp>
+      <p:pic>
+        <p:nvPicPr>
+          <p:cNvPr id="4" name="Imagem 3" descr="Foto em preto e branco com texto preto sobre fundo branco&#10;&#10;Descrição gerada automaticamente">
+            <a:extLst>
+              <a:ext uri="{FF2B5EF4-FFF2-40B4-BE49-F238E27FC236}">
+                <a16:creationId xmlns:a16="http://schemas.microsoft.com/office/drawing/2014/main" id="{6C75EB8D-72AB-E391-CE33-D1BAA8C2366A}"/>
+              </a:ext>
+            </a:extLst>
+          </p:cNvPr>
+          <p:cNvPicPr>
+            <a:picLocks noChangeAspect="1"/>
+          </p:cNvPicPr>
+          <p:nvPr/>
+        </p:nvPicPr>
+        <p:blipFill rotWithShape="1">
+          <a:blip r:embed="rId2">
+            <a:extLst>
+              <a:ext uri="{28A0092B-C50C-407E-A947-70E740481C1C}">
+                <a14:useLocalDpi xmlns:a14="http://schemas.microsoft.com/office/drawing/2010/main" val="0"/>
+              </a:ext>
+            </a:extLst>
+          </a:blip>
+          <a:srcRect b="3295"/>
+          <a:stretch/>
+        </p:blipFill>
+        <p:spPr>
+          <a:xfrm>
+            <a:off x="3865015" y="1825625"/>
+            <a:ext cx="4461970" cy="4307161"/>
+          </a:xfrm>
+          <a:prstGeom prst="rect">
+            <a:avLst/>
+          </a:prstGeom>
+          <a:ln>
+            <a:solidFill>
+              <a:schemeClr val="tx1"/>
+            </a:solidFill>
+          </a:ln>
+        </p:spPr>
+      </p:pic>
+    </p:spTree>
+    <p:extLst>
+      <p:ext uri="{BB962C8B-B14F-4D97-AF65-F5344CB8AC3E}">
+        <p14:creationId xmlns:p14="http://schemas.microsoft.com/office/powerpoint/2010/main" val="2744229638"/>
+      </p:ext>
+    </p:extLst>
+  </p:cSld>
+  <p:clrMapOvr>
+    <a:masterClrMapping/>
+  </p:clrMapOvr>
+</p:sld>
+</file>
+
+<file path=ppt/slides/slide4.xml><?xml version="1.0" encoding="utf-8"?>
+<p:sld xmlns:a="http://schemas.openxmlformats.org/drawingml/2006/main" xmlns:r="http://schemas.openxmlformats.org/officeDocument/2006/relationships" xmlns:p="http://schemas.openxmlformats.org/presentationml/2006/main">
+  <p:cSld>
+    <p:spTree>
+      <p:nvGrpSpPr>
+        <p:cNvPr id="1" name=""/>
+        <p:cNvGrpSpPr/>
+        <p:nvPr/>
+      </p:nvGrpSpPr>
+      <p:grpSpPr>
+        <a:xfrm>
+          <a:off x="0" y="0"/>
+          <a:ext cx="0" cy="0"/>
+          <a:chOff x="0" y="0"/>
+          <a:chExt cx="0" cy="0"/>
+        </a:xfrm>
+      </p:grpSpPr>
+      <p:sp>
+        <p:nvSpPr>
+          <p:cNvPr id="2" name="Título 1">
+            <a:extLst>
+              <a:ext uri="{FF2B5EF4-FFF2-40B4-BE49-F238E27FC236}">
+                <a16:creationId xmlns:a16="http://schemas.microsoft.com/office/drawing/2014/main" id="{BFC061CD-8025-7E8A-76C8-26AC09C7E85D}"/>
+              </a:ext>
+            </a:extLst>
+          </p:cNvPr>
+          <p:cNvSpPr>
+            <a:spLocks noGrp="1"/>
+          </p:cNvSpPr>
+          <p:nvPr>
+            <p:ph type="title"/>
+          </p:nvPr>
+        </p:nvSpPr>
+        <p:spPr/>
+        <p:txBody>
+          <a:bodyPr/>
+          <a:lstStyle/>
+          <a:p>
+            <a:r>
+              <a:rPr lang="pt-BR" b="1" dirty="0"/>
+              <a:t>Tipos de aprendizado</a:t>
+            </a:r>
+          </a:p>
+        </p:txBody>
+      </p:sp>
+      <p:sp>
+        <p:nvSpPr>
+          <p:cNvPr id="3" name="Espaço Reservado para Conteúdo 2">
+            <a:extLst>
+              <a:ext uri="{FF2B5EF4-FFF2-40B4-BE49-F238E27FC236}">
+                <a16:creationId xmlns:a16="http://schemas.microsoft.com/office/drawing/2014/main" id="{4B7D116F-61B5-325D-4036-6A6AE822EEC3}"/>
+              </a:ext>
+            </a:extLst>
+          </p:cNvPr>
+          <p:cNvSpPr>
+            <a:spLocks noGrp="1"/>
+          </p:cNvSpPr>
+          <p:nvPr>
+            <p:ph idx="1"/>
+          </p:nvPr>
+        </p:nvSpPr>
+        <p:spPr/>
+        <p:txBody>
+          <a:bodyPr>
+            <a:normAutofit/>
+          </a:bodyPr>
+          <a:lstStyle/>
+          <a:p>
+            <a:r>
+              <a:rPr lang="pt-BR" sz="2400" i="1" dirty="0"/>
+              <a:t>Batch </a:t>
+            </a:r>
+            <a:r>
+              <a:rPr lang="pt-BR" sz="2400" dirty="0"/>
+              <a:t>(em lote)</a:t>
+            </a:r>
+          </a:p>
+          <a:p>
+            <a:r>
+              <a:rPr lang="pt-BR" sz="2400" dirty="0"/>
+              <a:t>Online/Real Time</a:t>
+            </a:r>
+          </a:p>
+        </p:txBody>
+      </p:sp>
+      <p:sp>
+        <p:nvSpPr>
+          <p:cNvPr id="6" name="Retângulo 5">
+            <a:extLst>
+              <a:ext uri="{FF2B5EF4-FFF2-40B4-BE49-F238E27FC236}">
+                <a16:creationId xmlns:a16="http://schemas.microsoft.com/office/drawing/2014/main" id="{6400DBFB-4C95-4BC9-2AC3-48B17B718C74}"/>
+              </a:ext>
+            </a:extLst>
+          </p:cNvPr>
+          <p:cNvSpPr/>
+          <p:nvPr/>
+        </p:nvSpPr>
+        <p:spPr>
+          <a:xfrm>
+            <a:off x="0" y="0"/>
+            <a:ext cx="12192000" cy="230188"/>
+          </a:xfrm>
+          <a:prstGeom prst="rect">
+            <a:avLst/>
+          </a:prstGeom>
+          <a:solidFill>
+            <a:schemeClr val="accent4">
+              <a:lumMod val="20000"/>
+              <a:lumOff val="80000"/>
+            </a:schemeClr>
+          </a:solidFill>
+          <a:ln>
+            <a:noFill/>
+          </a:ln>
+        </p:spPr>
+        <p:style>
+          <a:lnRef idx="2">
+            <a:schemeClr val="accent1">
+              <a:shade val="15000"/>
+            </a:schemeClr>
+          </a:lnRef>
+          <a:fillRef idx="1">
+            <a:schemeClr val="accent1"/>
+          </a:fillRef>
+          <a:effectRef idx="0">
+            <a:schemeClr val="accent1"/>
+          </a:effectRef>
+          <a:fontRef idx="minor">
+            <a:schemeClr val="lt1"/>
+          </a:fontRef>
+        </p:style>
+        <p:txBody>
+          <a:bodyPr rtlCol="0" anchor="ctr"/>
+          <a:lstStyle/>
+          <a:p>
+            <a:pPr algn="ctr"/>
+            <a:endParaRPr lang="pt-BR"/>
+          </a:p>
+        </p:txBody>
+      </p:sp>
+      <p:sp>
+        <p:nvSpPr>
           <p:cNvPr id="7" name="CaixaDeTexto 6">
             <a:extLst>
               <a:ext uri="{FF2B5EF4-FFF2-40B4-BE49-F238E27FC236}">
@@ -6709,7 +7476,7 @@
           <a:p>
             <a:fld id="{100E1BD7-A6F2-47E2-ACB3-3469C810C63E}" type="slidenum">
               <a:rPr lang="pt-BR" smtClean="0"/>
-              <a:t>3</a:t>
+              <a:t>4</a:t>
             </a:fld>
             <a:endParaRPr lang="pt-BR"/>
           </a:p>
@@ -6728,7 +7495,7 @@
 </p:sld>
 </file>
 
-<file path=ppt/slides/slide4.xml><?xml version="1.0" encoding="utf-8"?>
+<file path=ppt/slides/slide5.xml><?xml version="1.0" encoding="utf-8"?>
 <p:sld xmlns:a="http://schemas.openxmlformats.org/drawingml/2006/main" xmlns:r="http://schemas.openxmlformats.org/officeDocument/2006/relationships" xmlns:p="http://schemas.openxmlformats.org/presentationml/2006/main">
   <p:cSld>
     <p:spTree>
@@ -6999,7 +7766,7 @@
           <a:p>
             <a:fld id="{100E1BD7-A6F2-47E2-ACB3-3469C810C63E}" type="slidenum">
               <a:rPr lang="pt-BR" smtClean="0"/>
-              <a:t>4</a:t>
+              <a:t>5</a:t>
             </a:fld>
             <a:endParaRPr lang="pt-BR"/>
           </a:p>
@@ -7018,7 +7785,7 @@
 </p:sld>
 </file>
 
-<file path=ppt/slides/slide5.xml><?xml version="1.0" encoding="utf-8"?>
+<file path=ppt/slides/slide6.xml><?xml version="1.0" encoding="utf-8"?>
 <p:sld xmlns:a="http://schemas.openxmlformats.org/drawingml/2006/main" xmlns:r="http://schemas.openxmlformats.org/officeDocument/2006/relationships" xmlns:p="http://schemas.openxmlformats.org/presentationml/2006/main">
   <p:cSld>
     <p:spTree>
@@ -7274,7 +8041,7 @@
           <a:p>
             <a:fld id="{100E1BD7-A6F2-47E2-ACB3-3469C810C63E}" type="slidenum">
               <a:rPr lang="pt-BR" smtClean="0"/>
-              <a:t>5</a:t>
+              <a:t>6</a:t>
             </a:fld>
             <a:endParaRPr lang="pt-BR"/>
           </a:p>
@@ -7635,7 +8402,7 @@
 </p:sld>
 </file>
 
-<file path=ppt/slides/slide6.xml><?xml version="1.0" encoding="utf-8"?>
+<file path=ppt/slides/slide7.xml><?xml version="1.0" encoding="utf-8"?>
 <p:sld xmlns:a="http://schemas.openxmlformats.org/drawingml/2006/main" xmlns:r="http://schemas.openxmlformats.org/officeDocument/2006/relationships" xmlns:p="http://schemas.openxmlformats.org/presentationml/2006/main">
   <p:cSld>
     <p:spTree>
@@ -7758,7 +8525,7 @@
           <a:p>
             <a:fld id="{100E1BD7-A6F2-47E2-ACB3-3469C810C63E}" type="slidenum">
               <a:rPr lang="pt-BR" smtClean="0"/>
-              <a:t>6</a:t>
+              <a:t>7</a:t>
             </a:fld>
             <a:endParaRPr lang="pt-BR"/>
           </a:p>
@@ -8120,7 +8887,7 @@
 </p:sld>
 </file>
 
-<file path=ppt/slides/slide7.xml><?xml version="1.0" encoding="utf-8"?>
+<file path=ppt/slides/slide8.xml><?xml version="1.0" encoding="utf-8"?>
 <p:sld xmlns:a="http://schemas.openxmlformats.org/drawingml/2006/main" xmlns:r="http://schemas.openxmlformats.org/officeDocument/2006/relationships" xmlns:p="http://schemas.openxmlformats.org/presentationml/2006/main">
   <p:cSld>
     <p:spTree>
@@ -8243,7 +9010,7 @@
           <a:p>
             <a:fld id="{100E1BD7-A6F2-47E2-ACB3-3469C810C63E}" type="slidenum">
               <a:rPr lang="pt-BR" smtClean="0"/>
-              <a:t>7</a:t>
+              <a:t>8</a:t>
             </a:fld>
             <a:endParaRPr lang="pt-BR"/>
           </a:p>
@@ -8917,7 +9684,7 @@
 </p:sld>
 </file>
 
-<file path=ppt/slides/slide8.xml><?xml version="1.0" encoding="utf-8"?>
+<file path=ppt/slides/slide9.xml><?xml version="1.0" encoding="utf-8"?>
 <p:sld xmlns:a="http://schemas.openxmlformats.org/drawingml/2006/main" xmlns:r="http://schemas.openxmlformats.org/officeDocument/2006/relationships" xmlns:p="http://schemas.openxmlformats.org/presentationml/2006/main">
   <p:cSld>
     <p:spTree>
@@ -9261,7 +10028,7 @@
           <a:p>
             <a:fld id="{100E1BD7-A6F2-47E2-ACB3-3469C810C63E}" type="slidenum">
               <a:rPr lang="pt-BR" smtClean="0"/>
-              <a:t>8</a:t>
+              <a:t>9</a:t>
             </a:fld>
             <a:endParaRPr lang="pt-BR"/>
           </a:p>
@@ -9271,342 +10038,6 @@
     <p:extLst>
       <p:ext uri="{BB962C8B-B14F-4D97-AF65-F5344CB8AC3E}">
         <p14:creationId xmlns:p14="http://schemas.microsoft.com/office/powerpoint/2010/main" val="3728086696"/>
-      </p:ext>
-    </p:extLst>
-  </p:cSld>
-  <p:clrMapOvr>
-    <a:masterClrMapping/>
-  </p:clrMapOvr>
-</p:sld>
-</file>
-
-<file path=ppt/slides/slide9.xml><?xml version="1.0" encoding="utf-8"?>
-<p:sld xmlns:a="http://schemas.openxmlformats.org/drawingml/2006/main" xmlns:r="http://schemas.openxmlformats.org/officeDocument/2006/relationships" xmlns:p="http://schemas.openxmlformats.org/presentationml/2006/main">
-  <p:cSld>
-    <p:spTree>
-      <p:nvGrpSpPr>
-        <p:cNvPr id="1" name=""/>
-        <p:cNvGrpSpPr/>
-        <p:nvPr/>
-      </p:nvGrpSpPr>
-      <p:grpSpPr>
-        <a:xfrm>
-          <a:off x="0" y="0"/>
-          <a:ext cx="0" cy="0"/>
-          <a:chOff x="0" y="0"/>
-          <a:chExt cx="0" cy="0"/>
-        </a:xfrm>
-      </p:grpSpPr>
-      <p:sp>
-        <p:nvSpPr>
-          <p:cNvPr id="2" name="Título 1">
-            <a:extLst>
-              <a:ext uri="{FF2B5EF4-FFF2-40B4-BE49-F238E27FC236}">
-                <a16:creationId xmlns:a16="http://schemas.microsoft.com/office/drawing/2014/main" id="{BFC061CD-8025-7E8A-76C8-26AC09C7E85D}"/>
-              </a:ext>
-            </a:extLst>
-          </p:cNvPr>
-          <p:cNvSpPr>
-            <a:spLocks noGrp="1"/>
-          </p:cNvSpPr>
-          <p:nvPr>
-            <p:ph type="title"/>
-          </p:nvPr>
-        </p:nvSpPr>
-        <p:spPr/>
-        <p:txBody>
-          <a:bodyPr/>
-          <a:lstStyle/>
-          <a:p>
-            <a:r>
-              <a:rPr lang="pt-BR" b="1" dirty="0"/>
-              <a:t>METODOLOGIA</a:t>
-            </a:r>
-          </a:p>
-        </p:txBody>
-      </p:sp>
-      <p:sp>
-        <p:nvSpPr>
-          <p:cNvPr id="6" name="Retângulo 5">
-            <a:extLst>
-              <a:ext uri="{FF2B5EF4-FFF2-40B4-BE49-F238E27FC236}">
-                <a16:creationId xmlns:a16="http://schemas.microsoft.com/office/drawing/2014/main" id="{6400DBFB-4C95-4BC9-2AC3-48B17B718C74}"/>
-              </a:ext>
-            </a:extLst>
-          </p:cNvPr>
-          <p:cNvSpPr/>
-          <p:nvPr/>
-        </p:nvSpPr>
-        <p:spPr>
-          <a:xfrm>
-            <a:off x="0" y="0"/>
-            <a:ext cx="12192000" cy="230188"/>
-          </a:xfrm>
-          <a:prstGeom prst="rect">
-            <a:avLst/>
-          </a:prstGeom>
-          <a:solidFill>
-            <a:schemeClr val="accent4">
-              <a:lumMod val="20000"/>
-              <a:lumOff val="80000"/>
-            </a:schemeClr>
-          </a:solidFill>
-          <a:ln>
-            <a:noFill/>
-          </a:ln>
-        </p:spPr>
-        <p:style>
-          <a:lnRef idx="2">
-            <a:schemeClr val="accent1">
-              <a:shade val="15000"/>
-            </a:schemeClr>
-          </a:lnRef>
-          <a:fillRef idx="1">
-            <a:schemeClr val="accent1"/>
-          </a:fillRef>
-          <a:effectRef idx="0">
-            <a:schemeClr val="accent1"/>
-          </a:effectRef>
-          <a:fontRef idx="minor">
-            <a:schemeClr val="lt1"/>
-          </a:fontRef>
-        </p:style>
-        <p:txBody>
-          <a:bodyPr rtlCol="0" anchor="ctr"/>
-          <a:lstStyle/>
-          <a:p>
-            <a:pPr algn="ctr"/>
-            <a:endParaRPr lang="pt-BR"/>
-          </a:p>
-        </p:txBody>
-      </p:sp>
-      <p:sp>
-        <p:nvSpPr>
-          <p:cNvPr id="4" name="Espaço Reservado para Número de Slide 3">
-            <a:extLst>
-              <a:ext uri="{FF2B5EF4-FFF2-40B4-BE49-F238E27FC236}">
-                <a16:creationId xmlns:a16="http://schemas.microsoft.com/office/drawing/2014/main" id="{89CC3CDE-2294-0587-CB45-EE87D6D3F28D}"/>
-              </a:ext>
-            </a:extLst>
-          </p:cNvPr>
-          <p:cNvSpPr>
-            <a:spLocks noGrp="1"/>
-          </p:cNvSpPr>
-          <p:nvPr>
-            <p:ph type="sldNum" sz="quarter" idx="12"/>
-          </p:nvPr>
-        </p:nvSpPr>
-        <p:spPr/>
-        <p:txBody>
-          <a:bodyPr/>
-          <a:lstStyle/>
-          <a:p>
-            <a:fld id="{100E1BD7-A6F2-47E2-ACB3-3469C810C63E}" type="slidenum">
-              <a:rPr lang="pt-BR" smtClean="0"/>
-              <a:t>9</a:t>
-            </a:fld>
-            <a:endParaRPr lang="pt-BR"/>
-          </a:p>
-        </p:txBody>
-      </p:sp>
-      <p:pic>
-        <p:nvPicPr>
-          <p:cNvPr id="1026" name="Picture 2">
-            <a:extLst>
-              <a:ext uri="{FF2B5EF4-FFF2-40B4-BE49-F238E27FC236}">
-                <a16:creationId xmlns:a16="http://schemas.microsoft.com/office/drawing/2014/main" id="{F8C839A3-100B-4872-5260-8A2851A7DDC0}"/>
-              </a:ext>
-            </a:extLst>
-          </p:cNvPr>
-          <p:cNvPicPr>
-            <a:picLocks noChangeAspect="1" noChangeArrowheads="1"/>
-          </p:cNvPicPr>
-          <p:nvPr/>
-        </p:nvPicPr>
-        <p:blipFill rotWithShape="1">
-          <a:blip r:embed="rId2">
-            <a:extLst>
-              <a:ext uri="{BEBA8EAE-BF5A-486C-A8C5-ECC9F3942E4B}">
-                <a14:imgProps xmlns:a14="http://schemas.microsoft.com/office/drawing/2010/main">
-                  <a14:imgLayer r:embed="rId3">
-                    <a14:imgEffect>
-                      <a14:sharpenSoften amount="25000"/>
-                    </a14:imgEffect>
-                  </a14:imgLayer>
-                </a14:imgProps>
-              </a:ext>
-              <a:ext uri="{28A0092B-C50C-407E-A947-70E740481C1C}">
-                <a14:useLocalDpi xmlns:a14="http://schemas.microsoft.com/office/drawing/2010/main" val="0"/>
-              </a:ext>
-            </a:extLst>
-          </a:blip>
-          <a:srcRect l="11324" t="8970" r="9130" b="5476"/>
-          <a:stretch/>
-        </p:blipFill>
-        <p:spPr bwMode="auto">
-          <a:xfrm>
-            <a:off x="6342745" y="1647145"/>
-            <a:ext cx="4165600" cy="4480151"/>
-          </a:xfrm>
-          <a:prstGeom prst="rect">
-            <a:avLst/>
-          </a:prstGeom>
-          <a:noFill/>
-          <a:ln>
-            <a:solidFill>
-              <a:schemeClr val="tx1"/>
-            </a:solidFill>
-          </a:ln>
-          <a:extLst>
-            <a:ext uri="{909E8E84-426E-40DD-AFC4-6F175D3DCCD1}">
-              <a14:hiddenFill xmlns:a14="http://schemas.microsoft.com/office/drawing/2010/main">
-                <a:solidFill>
-                  <a:srgbClr val="FFFFFF"/>
-                </a:solidFill>
-              </a14:hiddenFill>
-            </a:ext>
-          </a:extLst>
-        </p:spPr>
-      </p:pic>
-      <p:sp>
-        <p:nvSpPr>
-          <p:cNvPr id="8" name="Espaço Reservado para Conteúdo 2">
-            <a:extLst>
-              <a:ext uri="{FF2B5EF4-FFF2-40B4-BE49-F238E27FC236}">
-                <a16:creationId xmlns:a16="http://schemas.microsoft.com/office/drawing/2014/main" id="{222DFDDA-CFAF-2988-69EA-E94884590CB2}"/>
-              </a:ext>
-            </a:extLst>
-          </p:cNvPr>
-          <p:cNvSpPr>
-            <a:spLocks noGrp="1"/>
-          </p:cNvSpPr>
-          <p:nvPr>
-            <p:ph idx="1"/>
-          </p:nvPr>
-        </p:nvSpPr>
-        <p:spPr>
-          <a:xfrm>
-            <a:off x="838200" y="1825625"/>
-            <a:ext cx="4169229" cy="4351338"/>
-          </a:xfrm>
-        </p:spPr>
-        <p:txBody>
-          <a:bodyPr>
-            <a:normAutofit/>
-          </a:bodyPr>
-          <a:lstStyle/>
-          <a:p>
-            <a:r>
-              <a:rPr lang="pt-BR" sz="2200" b="1" dirty="0"/>
-              <a:t>CRISP-DM 			</a:t>
-            </a:r>
-            <a:r>
-              <a:rPr lang="pt-BR" sz="2200" b="1" dirty="0">
-                <a:latin typeface="Times New Roman" panose="02020603050405020304" pitchFamily="18" charset="0"/>
-                <a:cs typeface="Times New Roman" panose="02020603050405020304" pitchFamily="18" charset="0"/>
-              </a:rPr>
-              <a:t>→</a:t>
-            </a:r>
-            <a:endParaRPr lang="pt-BR" sz="2200" b="1" dirty="0"/>
-          </a:p>
-          <a:p>
-            <a:r>
-              <a:rPr lang="pt-BR" sz="2200" dirty="0"/>
-              <a:t>Metodologias ágeis</a:t>
-            </a:r>
-          </a:p>
-          <a:p>
-            <a:endParaRPr lang="pt-BR" sz="2200" dirty="0"/>
-          </a:p>
-        </p:txBody>
-      </p:sp>
-      <p:sp>
-        <p:nvSpPr>
-          <p:cNvPr id="15" name="CaixaDeTexto 14">
-            <a:extLst>
-              <a:ext uri="{FF2B5EF4-FFF2-40B4-BE49-F238E27FC236}">
-                <a16:creationId xmlns:a16="http://schemas.microsoft.com/office/drawing/2014/main" id="{924566C7-FC13-475A-0CBE-04B46F6502C2}"/>
-              </a:ext>
-            </a:extLst>
-          </p:cNvPr>
-          <p:cNvSpPr txBox="1"/>
-          <p:nvPr/>
-        </p:nvSpPr>
-        <p:spPr>
-          <a:xfrm>
-            <a:off x="6255661" y="6103324"/>
-            <a:ext cx="4165600" cy="276999"/>
-          </a:xfrm>
-          <a:prstGeom prst="rect">
-            <a:avLst/>
-          </a:prstGeom>
-          <a:noFill/>
-        </p:spPr>
-        <p:txBody>
-          <a:bodyPr wrap="square" rtlCol="0">
-            <a:spAutoFit/>
-          </a:bodyPr>
-          <a:lstStyle/>
-          <a:p>
-            <a:r>
-              <a:rPr lang="pt-BR" sz="1200" dirty="0">
-                <a:solidFill>
-                  <a:schemeClr val="bg1">
-                    <a:lumMod val="50000"/>
-                  </a:schemeClr>
-                </a:solidFill>
-              </a:rPr>
-              <a:t>Fonte: google imagens</a:t>
-            </a:r>
-          </a:p>
-        </p:txBody>
-      </p:sp>
-      <p:pic>
-        <p:nvPicPr>
-          <p:cNvPr id="5" name="Imagem 4">
-            <a:extLst>
-              <a:ext uri="{FF2B5EF4-FFF2-40B4-BE49-F238E27FC236}">
-                <a16:creationId xmlns:a16="http://schemas.microsoft.com/office/drawing/2014/main" id="{B3081189-3896-C4CB-52E9-108DA7BD8F1C}"/>
-              </a:ext>
-            </a:extLst>
-          </p:cNvPr>
-          <p:cNvPicPr>
-            <a:picLocks noChangeAspect="1"/>
-          </p:cNvPicPr>
-          <p:nvPr/>
-        </p:nvPicPr>
-        <p:blipFill>
-          <a:blip r:embed="rId4">
-            <a:extLst>
-              <a:ext uri="{BEBA8EAE-BF5A-486C-A8C5-ECC9F3942E4B}">
-                <a14:imgProps xmlns:a14="http://schemas.microsoft.com/office/drawing/2010/main">
-                  <a14:imgLayer r:embed="rId5">
-                    <a14:imgEffect>
-                      <a14:sharpenSoften amount="25000"/>
-                    </a14:imgEffect>
-                  </a14:imgLayer>
-                </a14:imgProps>
-              </a:ext>
-            </a:extLst>
-          </a:blip>
-          <a:stretch>
-            <a:fillRect/>
-          </a:stretch>
-        </p:blipFill>
-        <p:spPr>
-          <a:xfrm>
-            <a:off x="743604" y="3429000"/>
-            <a:ext cx="4325309" cy="2422615"/>
-          </a:xfrm>
-          <a:prstGeom prst="rect">
-            <a:avLst/>
-          </a:prstGeom>
-        </p:spPr>
-      </p:pic>
-    </p:spTree>
-    <p:extLst>
-      <p:ext uri="{BB962C8B-B14F-4D97-AF65-F5344CB8AC3E}">
-        <p14:creationId xmlns:p14="http://schemas.microsoft.com/office/powerpoint/2010/main" val="3537630605"/>
       </p:ext>
     </p:extLst>
   </p:cSld>

--- a/assets/Machine Learning - teoria.pptx
+++ b/assets/Machine Learning - teoria.pptx
@@ -9183,25 +9183,8 @@
                   </a:schemeClr>
                 </a:solidFill>
               </a:rPr>
-              <a:t>Random </a:t>
-            </a:r>
-            <a:r>
-              <a:rPr lang="pt-BR" sz="1800" dirty="0" err="1">
-                <a:solidFill>
-                  <a:schemeClr val="bg2">
-                    <a:lumMod val="50000"/>
-                  </a:schemeClr>
-                </a:solidFill>
-              </a:rPr>
-              <a:t>Forests</a:t>
-            </a:r>
-            <a:endParaRPr lang="pt-BR" sz="1800" dirty="0">
-              <a:solidFill>
-                <a:schemeClr val="bg2">
-                  <a:lumMod val="50000"/>
-                </a:schemeClr>
-              </a:solidFill>
-            </a:endParaRPr>
+              <a:t>Random Forest</a:t>
+            </a:r>
           </a:p>
           <a:p>
             <a:pPr lvl="1">
